--- a/151009ベクトルタイル利用サイトを作ろうPt.6.pptx
+++ b/151009ベクトルタイル利用サイトを作ろうPt.6.pptx
@@ -5,14 +5,17 @@
     <p:sldMasterId id="2147483663" r:id="rId1"/>
   </p:sldMasterIdLst>
   <p:notesMasterIdLst>
-    <p:notesMasterId r:id="rId4"/>
+    <p:notesMasterId r:id="rId7"/>
   </p:notesMasterIdLst>
   <p:handoutMasterIdLst>
-    <p:handoutMasterId r:id="rId5"/>
+    <p:handoutMasterId r:id="rId8"/>
   </p:handoutMasterIdLst>
   <p:sldIdLst>
     <p:sldId id="256" r:id="rId2"/>
     <p:sldId id="257" r:id="rId3"/>
+    <p:sldId id="259" r:id="rId4"/>
+    <p:sldId id="260" r:id="rId5"/>
+    <p:sldId id="258" r:id="rId6"/>
   </p:sldIdLst>
   <p:sldSz cx="9144000" cy="6858000" type="screen4x3"/>
   <p:notesSz cx="6805613" cy="9939338"/>
@@ -5810,6 +5813,1276 @@
       </p:par>
     </p:tnLst>
   </p:timing>
+</p:sld>
+</file>
+
+<file path=ppt/slides/slide3.xml><?xml version="1.0" encoding="utf-8"?>
+<p:sld xmlns:a="http://schemas.openxmlformats.org/drawingml/2006/main" xmlns:r="http://schemas.openxmlformats.org/officeDocument/2006/relationships" xmlns:p="http://schemas.openxmlformats.org/presentationml/2006/main">
+  <p:cSld>
+    <p:spTree>
+      <p:nvGrpSpPr>
+        <p:cNvPr id="1" name=""/>
+        <p:cNvGrpSpPr/>
+        <p:nvPr/>
+      </p:nvGrpSpPr>
+      <p:grpSpPr>
+        <a:xfrm>
+          <a:off x="0" y="0"/>
+          <a:ext cx="0" cy="0"/>
+          <a:chOff x="0" y="0"/>
+          <a:chExt cx="0" cy="0"/>
+        </a:xfrm>
+      </p:grpSpPr>
+      <p:sp>
+        <p:nvSpPr>
+          <p:cNvPr id="2" name="タイトル 1"/>
+          <p:cNvSpPr>
+            <a:spLocks noGrp="1"/>
+          </p:cNvSpPr>
+          <p:nvPr>
+            <p:ph type="title"/>
+          </p:nvPr>
+        </p:nvSpPr>
+        <p:spPr/>
+        <p:txBody>
+          <a:bodyPr/>
+          <a:lstStyle/>
+          <a:p>
+            <a:r>
+              <a:rPr lang="en-US" altLang="ja-JP" dirty="0" err="1" smtClean="0"/>
+              <a:t>canvas</a:t>
+            </a:r>
+            <a:r>
+              <a:rPr kumimoji="1" lang="en-US" altLang="ja-JP" dirty="0" err="1" smtClean="0"/>
+              <a:t>.html</a:t>
+            </a:r>
+            <a:r>
+              <a:rPr kumimoji="1" lang="en-US" altLang="ja-JP" dirty="0" smtClean="0"/>
+              <a:t> </a:t>
+            </a:r>
+            <a:r>
+              <a:rPr kumimoji="1" lang="ja-JP" altLang="en-US" dirty="0" smtClean="0"/>
+              <a:t>のアレンジ</a:t>
+            </a:r>
+            <a:endParaRPr kumimoji="1" lang="ja-JP" altLang="en-US" dirty="0"/>
+          </a:p>
+        </p:txBody>
+      </p:sp>
+      <p:sp>
+        <p:nvSpPr>
+          <p:cNvPr id="3" name="コンテンツ プレースホルダー 2"/>
+          <p:cNvSpPr>
+            <a:spLocks noGrp="1"/>
+          </p:cNvSpPr>
+          <p:nvPr>
+            <p:ph idx="1"/>
+          </p:nvPr>
+        </p:nvSpPr>
+        <p:spPr>
+          <a:xfrm>
+            <a:off x="323528" y="692696"/>
+            <a:ext cx="8568952" cy="3600400"/>
+          </a:xfrm>
+          <a:ln>
+            <a:solidFill>
+              <a:schemeClr val="tx1"/>
+            </a:solidFill>
+          </a:ln>
+        </p:spPr>
+        <p:txBody>
+          <a:bodyPr/>
+          <a:lstStyle/>
+          <a:p>
+            <a:r>
+              <a:rPr lang="en-US" altLang="ja-JP" sz="2400" dirty="0" smtClean="0"/>
+              <a:t>【</a:t>
+            </a:r>
+            <a:r>
+              <a:rPr lang="ja-JP" altLang="en-US" sz="2400" dirty="0" smtClean="0"/>
+              <a:t>河川中心線</a:t>
+            </a:r>
+            <a:r>
+              <a:rPr lang="en-US" altLang="ja-JP" sz="2400" dirty="0" smtClean="0"/>
+              <a:t>】</a:t>
+            </a:r>
+            <a:r>
+              <a:rPr lang="ja-JP" altLang="en-US" sz="2400" dirty="0" smtClean="0"/>
+              <a:t>　</a:t>
+            </a:r>
+            <a:r>
+              <a:rPr lang="en-US" altLang="ja-JP" sz="2400" dirty="0" err="1" smtClean="0"/>
+              <a:t>r</a:t>
+            </a:r>
+            <a:r>
+              <a:rPr kumimoji="1" lang="en-US" altLang="ja-JP" sz="2400" dirty="0" err="1" smtClean="0"/>
+              <a:t>vrcllayer</a:t>
+            </a:r>
+            <a:r>
+              <a:rPr kumimoji="1" lang="en-US" altLang="ja-JP" sz="2400" dirty="0" smtClean="0"/>
+              <a:t> &lt; </a:t>
+            </a:r>
+            <a:r>
+              <a:rPr kumimoji="1" lang="en-US" altLang="ja-JP" sz="2400" dirty="0" err="1" smtClean="0"/>
+              <a:t>TileLayer.Canvas</a:t>
+            </a:r>
+            <a:endParaRPr kumimoji="1" lang="en-US" altLang="ja-JP" sz="2400" dirty="0" smtClean="0"/>
+          </a:p>
+          <a:p>
+            <a:pPr lvl="1"/>
+            <a:r>
+              <a:rPr lang="en-US" altLang="ja-JP" sz="2000" dirty="0" err="1"/>
+              <a:t>r</a:t>
+            </a:r>
+            <a:r>
+              <a:rPr lang="en-US" altLang="ja-JP" sz="2000" dirty="0" err="1" smtClean="0"/>
+              <a:t>vrcl_style</a:t>
+            </a:r>
+            <a:r>
+              <a:rPr lang="en-US" altLang="ja-JP" sz="2000" dirty="0" smtClean="0"/>
+              <a:t> </a:t>
+            </a:r>
+            <a:r>
+              <a:rPr lang="ja-JP" altLang="en-US" sz="2000" dirty="0" smtClean="0"/>
+              <a:t>を変更することで、スタイルを変更できる</a:t>
+            </a:r>
+            <a:endParaRPr kumimoji="1" lang="en-US" altLang="ja-JP" sz="2000" dirty="0" smtClean="0"/>
+          </a:p>
+          <a:p>
+            <a:r>
+              <a:rPr lang="en-US" altLang="ja-JP" sz="2400" dirty="0" smtClean="0"/>
+              <a:t>【</a:t>
+            </a:r>
+            <a:r>
+              <a:rPr lang="ja-JP" altLang="en-US" sz="2400" dirty="0" smtClean="0"/>
+              <a:t>道路中心線</a:t>
+            </a:r>
+            <a:r>
+              <a:rPr lang="en-US" altLang="ja-JP" sz="2400" dirty="0" smtClean="0"/>
+              <a:t>】</a:t>
+            </a:r>
+            <a:r>
+              <a:rPr lang="ja-JP" altLang="en-US" sz="2400" dirty="0" smtClean="0"/>
+              <a:t>　</a:t>
+            </a:r>
+            <a:r>
+              <a:rPr lang="en-US" altLang="ja-JP" sz="2400" dirty="0" err="1" smtClean="0"/>
+              <a:t>rdcllayer</a:t>
+            </a:r>
+            <a:r>
+              <a:rPr lang="en-US" altLang="ja-JP" sz="2400" dirty="0" smtClean="0"/>
+              <a:t> &lt; </a:t>
+            </a:r>
+            <a:r>
+              <a:rPr lang="en-US" altLang="ja-JP" sz="2400" dirty="0" err="1" smtClean="0"/>
+              <a:t>TileLayer.Canvas</a:t>
+            </a:r>
+            <a:endParaRPr lang="en-US" altLang="ja-JP" sz="2400" dirty="0" smtClean="0"/>
+          </a:p>
+          <a:p>
+            <a:pPr lvl="1"/>
+            <a:r>
+              <a:rPr lang="en-US" altLang="ja-JP" sz="2000" dirty="0" err="1" smtClean="0"/>
+              <a:t>r</a:t>
+            </a:r>
+            <a:r>
+              <a:rPr lang="en-US" altLang="ja-JP" sz="2000" dirty="0" err="1" smtClean="0"/>
+              <a:t>d</a:t>
+            </a:r>
+            <a:r>
+              <a:rPr lang="en-US" altLang="ja-JP" sz="2000" dirty="0" err="1" smtClean="0"/>
+              <a:t>cl_style</a:t>
+            </a:r>
+            <a:r>
+              <a:rPr lang="en-US" altLang="ja-JP" sz="2000" dirty="0" smtClean="0"/>
+              <a:t> </a:t>
+            </a:r>
+            <a:r>
+              <a:rPr lang="ja-JP" altLang="en-US" sz="2000" dirty="0"/>
+              <a:t>を変更することで、スタイルを変更</a:t>
+            </a:r>
+            <a:r>
+              <a:rPr lang="ja-JP" altLang="en-US" sz="2000" dirty="0" smtClean="0"/>
+              <a:t>できる</a:t>
+            </a:r>
+            <a:endParaRPr lang="en-US" altLang="ja-JP" sz="2000" dirty="0" smtClean="0"/>
+          </a:p>
+          <a:p>
+            <a:r>
+              <a:rPr lang="en-US" altLang="ja-JP" sz="2400" dirty="0" smtClean="0"/>
+              <a:t>【</a:t>
+            </a:r>
+            <a:r>
+              <a:rPr lang="ja-JP" altLang="en-US" sz="2400" dirty="0" smtClean="0"/>
+              <a:t>鉄道中心線</a:t>
+            </a:r>
+            <a:r>
+              <a:rPr lang="en-US" altLang="ja-JP" sz="2400" dirty="0" smtClean="0"/>
+              <a:t>】</a:t>
+            </a:r>
+            <a:r>
+              <a:rPr lang="ja-JP" altLang="en-US" sz="2400" dirty="0" smtClean="0"/>
+              <a:t>　</a:t>
+            </a:r>
+            <a:r>
+              <a:rPr lang="en-US" altLang="ja-JP" sz="2400" dirty="0" err="1" smtClean="0"/>
+              <a:t>r</a:t>
+            </a:r>
+            <a:r>
+              <a:rPr kumimoji="1" lang="en-US" altLang="ja-JP" sz="2400" dirty="0" err="1" smtClean="0"/>
+              <a:t>ailcllayer</a:t>
+            </a:r>
+            <a:r>
+              <a:rPr kumimoji="1" lang="en-US" altLang="ja-JP" sz="2400" dirty="0" smtClean="0"/>
+              <a:t> &lt; </a:t>
+            </a:r>
+            <a:r>
+              <a:rPr kumimoji="1" lang="en-US" altLang="ja-JP" sz="2400" dirty="0" err="1" smtClean="0"/>
+              <a:t>TileLayer.Canvas</a:t>
+            </a:r>
+            <a:endParaRPr kumimoji="1" lang="en-US" altLang="ja-JP" sz="2400" dirty="0" smtClean="0"/>
+          </a:p>
+          <a:p>
+            <a:pPr lvl="1"/>
+            <a:r>
+              <a:rPr lang="en-US" altLang="ja-JP" sz="2000" dirty="0" err="1" smtClean="0"/>
+              <a:t>r</a:t>
+            </a:r>
+            <a:r>
+              <a:rPr lang="en-US" altLang="ja-JP" sz="2000" dirty="0" err="1" smtClean="0"/>
+              <a:t>ail</a:t>
+            </a:r>
+            <a:r>
+              <a:rPr lang="en-US" altLang="ja-JP" sz="2000" dirty="0" err="1" smtClean="0"/>
+              <a:t>cl_style</a:t>
+            </a:r>
+            <a:r>
+              <a:rPr lang="en-US" altLang="ja-JP" sz="2000" dirty="0" smtClean="0"/>
+              <a:t> </a:t>
+            </a:r>
+            <a:r>
+              <a:rPr lang="ja-JP" altLang="en-US" sz="2000" dirty="0"/>
+              <a:t>を変更することで、スタイルを変更</a:t>
+            </a:r>
+            <a:r>
+              <a:rPr lang="ja-JP" altLang="en-US" sz="2000" dirty="0" smtClean="0"/>
+              <a:t>できる</a:t>
+            </a:r>
+            <a:endParaRPr kumimoji="1" lang="en-US" altLang="ja-JP" sz="2000" dirty="0" smtClean="0"/>
+          </a:p>
+          <a:p>
+            <a:r>
+              <a:rPr lang="en-US" altLang="ja-JP" sz="2400" dirty="0" smtClean="0"/>
+              <a:t>【</a:t>
+            </a:r>
+            <a:r>
+              <a:rPr lang="ja-JP" altLang="en-US" sz="2400" dirty="0" smtClean="0"/>
+              <a:t>注記</a:t>
+            </a:r>
+            <a:r>
+              <a:rPr lang="en-US" altLang="ja-JP" sz="2400" dirty="0" smtClean="0"/>
+              <a:t>】</a:t>
+            </a:r>
+            <a:r>
+              <a:rPr lang="ja-JP" altLang="en-US" sz="2400" dirty="0" smtClean="0"/>
+              <a:t>　</a:t>
+            </a:r>
+            <a:r>
+              <a:rPr lang="en-US" altLang="ja-JP" sz="2400" dirty="0" err="1" smtClean="0"/>
+              <a:t>annolayer</a:t>
+            </a:r>
+            <a:r>
+              <a:rPr lang="en-US" altLang="ja-JP" sz="2400" dirty="0" smtClean="0"/>
+              <a:t> &lt; </a:t>
+            </a:r>
+            <a:r>
+              <a:rPr lang="en-US" altLang="ja-JP" sz="2400" dirty="0" err="1" smtClean="0"/>
+              <a:t>TileLayer.GeoJSON</a:t>
+            </a:r>
+            <a:endParaRPr lang="en-US" altLang="ja-JP" sz="2400" dirty="0" smtClean="0"/>
+          </a:p>
+          <a:p>
+            <a:pPr lvl="1"/>
+            <a:r>
+              <a:rPr lang="en-US" altLang="ja-JP" sz="2000" dirty="0">
+                <a:hlinkClick r:id="rId2"/>
+              </a:rPr>
+              <a:t>http://cyberjapandata.gsi.go.jp/xyz/experimental_anno/</a:t>
+            </a:r>
+            <a:r>
+              <a:rPr lang="en-US" altLang="ja-JP" sz="2000" dirty="0" smtClean="0">
+                <a:hlinkClick r:id="rId2"/>
+              </a:rPr>
+              <a:t>style.js</a:t>
+            </a:r>
+            <a:r>
+              <a:rPr lang="en-US" altLang="ja-JP" sz="2000" dirty="0" smtClean="0"/>
+              <a:t> </a:t>
+            </a:r>
+            <a:r>
+              <a:rPr lang="ja-JP" altLang="en-US" sz="2000" dirty="0" smtClean="0"/>
+              <a:t>を代替するスタイルオブジェクトを入れることで、スタイルを変更できる</a:t>
+            </a:r>
+            <a:endParaRPr kumimoji="1" lang="ja-JP" altLang="en-US" sz="2000" dirty="0"/>
+          </a:p>
+        </p:txBody>
+      </p:sp>
+      <p:sp>
+        <p:nvSpPr>
+          <p:cNvPr id="4" name="スライド番号プレースホルダー 3"/>
+          <p:cNvSpPr>
+            <a:spLocks noGrp="1"/>
+          </p:cNvSpPr>
+          <p:nvPr>
+            <p:ph type="sldNum" sz="quarter" idx="12"/>
+          </p:nvPr>
+        </p:nvSpPr>
+        <p:spPr/>
+        <p:txBody>
+          <a:bodyPr/>
+          <a:lstStyle/>
+          <a:p>
+            <a:pPr>
+              <a:defRPr/>
+            </a:pPr>
+            <a:fld id="{7BDE7F79-B788-EF47-92C0-E4468BC66B4F}" type="slidenum">
+              <a:rPr lang="en-US" altLang="ja-JP" smtClean="0"/>
+              <a:pPr>
+                <a:defRPr/>
+              </a:pPr>
+              <a:t>3</a:t>
+            </a:fld>
+            <a:endParaRPr lang="en-US" altLang="ja-JP"/>
+          </a:p>
+        </p:txBody>
+      </p:sp>
+      <p:sp>
+        <p:nvSpPr>
+          <p:cNvPr id="5" name="コンテンツ プレースホルダー 2"/>
+          <p:cNvSpPr txBox="1">
+            <a:spLocks/>
+          </p:cNvSpPr>
+          <p:nvPr/>
+        </p:nvSpPr>
+        <p:spPr bwMode="auto">
+          <a:xfrm>
+            <a:off x="323528" y="4725144"/>
+            <a:ext cx="8568952" cy="1800200"/>
+          </a:xfrm>
+          <a:prstGeom prst="rect">
+            <a:avLst/>
+          </a:prstGeom>
+          <a:noFill/>
+          <a:ln w="9525">
+            <a:solidFill>
+              <a:srgbClr val="000000"/>
+            </a:solidFill>
+            <a:miter lim="800000"/>
+            <a:headEnd/>
+            <a:tailEnd/>
+          </a:ln>
+          <a:extLst>
+            <a:ext uri="{909E8E84-426E-40dd-AFC4-6F175D3DCCD1}">
+              <a14:hiddenFill xmlns:a14="http://schemas.microsoft.com/office/drawing/2010/main">
+                <a:solidFill>
+                  <a:srgbClr val="FFFFFF"/>
+                </a:solidFill>
+              </a14:hiddenFill>
+            </a:ext>
+            <a:ext uri="{FAA26D3D-D897-4be2-8F04-BA451C77F1D7}">
+              <ma14:placeholderFlag xmlns:ma14="http://schemas.microsoft.com/office/mac/drawingml/2011/main" val="1"/>
+            </a:ext>
+          </a:extLst>
+        </p:spPr>
+        <p:txBody>
+          <a:bodyPr vert="horz" wrap="square" lIns="91440" tIns="45720" rIns="91440" bIns="45720" numCol="1" anchor="t" anchorCtr="0" compatLnSpc="1">
+            <a:prstTxWarp prst="textNoShape">
+              <a:avLst/>
+            </a:prstTxWarp>
+          </a:bodyPr>
+          <a:lstStyle>
+            <a:lvl1pPr marL="342900" indent="-342900" algn="l" rtl="0" eaLnBrk="0" fontAlgn="base" hangingPunct="0">
+              <a:spcBef>
+                <a:spcPct val="20000"/>
+              </a:spcBef>
+              <a:spcAft>
+                <a:spcPct val="0"/>
+              </a:spcAft>
+              <a:buChar char="•"/>
+              <a:defRPr kumimoji="1" sz="3200">
+                <a:solidFill>
+                  <a:schemeClr val="tx1"/>
+                </a:solidFill>
+                <a:latin typeface="+mn-lt"/>
+                <a:ea typeface="+mn-ea"/>
+                <a:cs typeface="+mn-cs"/>
+              </a:defRPr>
+            </a:lvl1pPr>
+            <a:lvl2pPr marL="742950" indent="-285750" algn="l" rtl="0" eaLnBrk="0" fontAlgn="base" hangingPunct="0">
+              <a:spcBef>
+                <a:spcPct val="20000"/>
+              </a:spcBef>
+              <a:spcAft>
+                <a:spcPct val="0"/>
+              </a:spcAft>
+              <a:buChar char="–"/>
+              <a:defRPr kumimoji="1" sz="2800">
+                <a:solidFill>
+                  <a:schemeClr val="tx1"/>
+                </a:solidFill>
+                <a:latin typeface="+mn-lt"/>
+                <a:ea typeface="+mn-ea"/>
+              </a:defRPr>
+            </a:lvl2pPr>
+            <a:lvl3pPr marL="1143000" indent="-228600" algn="l" rtl="0" eaLnBrk="0" fontAlgn="base" hangingPunct="0">
+              <a:spcBef>
+                <a:spcPct val="20000"/>
+              </a:spcBef>
+              <a:spcAft>
+                <a:spcPct val="0"/>
+              </a:spcAft>
+              <a:buChar char="•"/>
+              <a:defRPr kumimoji="1" sz="2400">
+                <a:solidFill>
+                  <a:schemeClr val="tx1"/>
+                </a:solidFill>
+                <a:latin typeface="+mn-lt"/>
+                <a:ea typeface="+mn-ea"/>
+              </a:defRPr>
+            </a:lvl3pPr>
+            <a:lvl4pPr marL="1600200" indent="-228600" algn="l" rtl="0" eaLnBrk="0" fontAlgn="base" hangingPunct="0">
+              <a:spcBef>
+                <a:spcPct val="20000"/>
+              </a:spcBef>
+              <a:spcAft>
+                <a:spcPct val="0"/>
+              </a:spcAft>
+              <a:buChar char="–"/>
+              <a:defRPr kumimoji="1" sz="2000">
+                <a:solidFill>
+                  <a:schemeClr val="tx1"/>
+                </a:solidFill>
+                <a:latin typeface="+mn-lt"/>
+                <a:ea typeface="+mn-ea"/>
+              </a:defRPr>
+            </a:lvl4pPr>
+            <a:lvl5pPr marL="2057400" indent="-228600" algn="l" rtl="0" eaLnBrk="0" fontAlgn="base" hangingPunct="0">
+              <a:spcBef>
+                <a:spcPct val="20000"/>
+              </a:spcBef>
+              <a:spcAft>
+                <a:spcPct val="0"/>
+              </a:spcAft>
+              <a:buChar char="»"/>
+              <a:defRPr kumimoji="1" sz="2000">
+                <a:solidFill>
+                  <a:schemeClr val="tx1"/>
+                </a:solidFill>
+                <a:latin typeface="+mn-lt"/>
+                <a:ea typeface="+mn-ea"/>
+              </a:defRPr>
+            </a:lvl5pPr>
+            <a:lvl6pPr marL="2514600" indent="-228600" algn="l" rtl="0" eaLnBrk="1" fontAlgn="base" hangingPunct="1">
+              <a:spcBef>
+                <a:spcPct val="20000"/>
+              </a:spcBef>
+              <a:spcAft>
+                <a:spcPct val="0"/>
+              </a:spcAft>
+              <a:buChar char="»"/>
+              <a:defRPr kumimoji="1" sz="2000">
+                <a:solidFill>
+                  <a:schemeClr val="tx1"/>
+                </a:solidFill>
+                <a:latin typeface="+mn-lt"/>
+                <a:ea typeface="+mn-ea"/>
+              </a:defRPr>
+            </a:lvl6pPr>
+            <a:lvl7pPr marL="2971800" indent="-228600" algn="l" rtl="0" eaLnBrk="1" fontAlgn="base" hangingPunct="1">
+              <a:spcBef>
+                <a:spcPct val="20000"/>
+              </a:spcBef>
+              <a:spcAft>
+                <a:spcPct val="0"/>
+              </a:spcAft>
+              <a:buChar char="»"/>
+              <a:defRPr kumimoji="1" sz="2000">
+                <a:solidFill>
+                  <a:schemeClr val="tx1"/>
+                </a:solidFill>
+                <a:latin typeface="+mn-lt"/>
+                <a:ea typeface="+mn-ea"/>
+              </a:defRPr>
+            </a:lvl7pPr>
+            <a:lvl8pPr marL="3429000" indent="-228600" algn="l" rtl="0" eaLnBrk="1" fontAlgn="base" hangingPunct="1">
+              <a:spcBef>
+                <a:spcPct val="20000"/>
+              </a:spcBef>
+              <a:spcAft>
+                <a:spcPct val="0"/>
+              </a:spcAft>
+              <a:buChar char="»"/>
+              <a:defRPr kumimoji="1" sz="2000">
+                <a:solidFill>
+                  <a:schemeClr val="tx1"/>
+                </a:solidFill>
+                <a:latin typeface="+mn-lt"/>
+                <a:ea typeface="+mn-ea"/>
+              </a:defRPr>
+            </a:lvl8pPr>
+            <a:lvl9pPr marL="3886200" indent="-228600" algn="l" rtl="0" eaLnBrk="1" fontAlgn="base" hangingPunct="1">
+              <a:spcBef>
+                <a:spcPct val="20000"/>
+              </a:spcBef>
+              <a:spcAft>
+                <a:spcPct val="0"/>
+              </a:spcAft>
+              <a:buChar char="»"/>
+              <a:defRPr kumimoji="1" sz="2000">
+                <a:solidFill>
+                  <a:schemeClr val="tx1"/>
+                </a:solidFill>
+                <a:latin typeface="+mn-lt"/>
+                <a:ea typeface="+mn-ea"/>
+              </a:defRPr>
+            </a:lvl9pPr>
+          </a:lstStyle>
+          <a:p>
+            <a:r>
+              <a:rPr lang="ja-JP" altLang="en-US" sz="2400" dirty="0" smtClean="0"/>
+              <a:t>河川中心線、道路中心線、鉄道中心線の仕様やサンプルは、</a:t>
+            </a:r>
+            <a:r>
+              <a:rPr lang="en-US" altLang="ja-JP" sz="2400" dirty="0">
+                <a:hlinkClick r:id="rId3"/>
+              </a:rPr>
+              <a:t>https://github.com/foss4g-tokyo-vt/vector-tile-</a:t>
+            </a:r>
+            <a:r>
+              <a:rPr lang="en-US" altLang="ja-JP" sz="2400" dirty="0" smtClean="0">
+                <a:hlinkClick r:id="rId3"/>
+              </a:rPr>
+              <a:t>experiment</a:t>
+            </a:r>
+            <a:endParaRPr lang="en-US" altLang="ja-JP" sz="2400" dirty="0" smtClean="0"/>
+          </a:p>
+          <a:p>
+            <a:r>
+              <a:rPr lang="ja-JP" altLang="en-US" sz="2400" dirty="0" smtClean="0"/>
+              <a:t>注記の仕様やサンプルは、　　　　　　　　　　　　　　　　　　　　　　</a:t>
+            </a:r>
+            <a:r>
+              <a:rPr lang="en-US" altLang="ja-JP" sz="2400" dirty="0">
+                <a:hlinkClick r:id="rId4"/>
+              </a:rPr>
+              <a:t>https://github.com/gsi-cyberjapan/</a:t>
+            </a:r>
+            <a:r>
+              <a:rPr lang="en-US" altLang="ja-JP" sz="2400" dirty="0" smtClean="0">
+                <a:hlinkClick r:id="rId4"/>
+              </a:rPr>
+              <a:t>experimental_anno</a:t>
+            </a:r>
+            <a:r>
+              <a:rPr lang="en-US" altLang="ja-JP" sz="2400" dirty="0" smtClean="0"/>
+              <a:t> </a:t>
+            </a:r>
+          </a:p>
+        </p:txBody>
+      </p:sp>
+    </p:spTree>
+    <p:extLst>
+      <p:ext uri="{BB962C8B-B14F-4D97-AF65-F5344CB8AC3E}">
+        <p14:creationId xmlns:p14="http://schemas.microsoft.com/office/powerpoint/2010/main" val="1261644657"/>
+      </p:ext>
+    </p:extLst>
+  </p:cSld>
+  <p:clrMapOvr>
+    <a:masterClrMapping/>
+  </p:clrMapOvr>
+</p:sld>
+</file>
+
+<file path=ppt/slides/slide4.xml><?xml version="1.0" encoding="utf-8"?>
+<p:sld xmlns:a="http://schemas.openxmlformats.org/drawingml/2006/main" xmlns:r="http://schemas.openxmlformats.org/officeDocument/2006/relationships" xmlns:p="http://schemas.openxmlformats.org/presentationml/2006/main">
+  <p:cSld>
+    <p:spTree>
+      <p:nvGrpSpPr>
+        <p:cNvPr id="1" name=""/>
+        <p:cNvGrpSpPr/>
+        <p:nvPr/>
+      </p:nvGrpSpPr>
+      <p:grpSpPr>
+        <a:xfrm>
+          <a:off x="0" y="0"/>
+          <a:ext cx="0" cy="0"/>
+          <a:chOff x="0" y="0"/>
+          <a:chExt cx="0" cy="0"/>
+        </a:xfrm>
+      </p:grpSpPr>
+      <p:sp>
+        <p:nvSpPr>
+          <p:cNvPr id="2" name="タイトル 1"/>
+          <p:cNvSpPr>
+            <a:spLocks noGrp="1"/>
+          </p:cNvSpPr>
+          <p:nvPr>
+            <p:ph type="title"/>
+          </p:nvPr>
+        </p:nvSpPr>
+        <p:spPr/>
+        <p:txBody>
+          <a:bodyPr/>
+          <a:lstStyle/>
+          <a:p>
+            <a:r>
+              <a:rPr kumimoji="1" lang="ja-JP" altLang="en-US" dirty="0" smtClean="0"/>
+              <a:t>応用編</a:t>
+            </a:r>
+            <a:endParaRPr kumimoji="1" lang="ja-JP" altLang="en-US" dirty="0"/>
+          </a:p>
+        </p:txBody>
+      </p:sp>
+      <p:sp>
+        <p:nvSpPr>
+          <p:cNvPr id="3" name="コンテンツ プレースホルダー 2"/>
+          <p:cNvSpPr>
+            <a:spLocks noGrp="1"/>
+          </p:cNvSpPr>
+          <p:nvPr>
+            <p:ph idx="1"/>
+          </p:nvPr>
+        </p:nvSpPr>
+        <p:spPr>
+          <a:xfrm>
+            <a:off x="323528" y="620688"/>
+            <a:ext cx="8640960" cy="6048672"/>
+          </a:xfrm>
+        </p:spPr>
+        <p:txBody>
+          <a:bodyPr/>
+          <a:lstStyle/>
+          <a:p>
+            <a:pPr marL="0" indent="0">
+              <a:buNone/>
+            </a:pPr>
+            <a:r>
+              <a:rPr kumimoji="1" lang="en-US" altLang="ja-JP" sz="2400" dirty="0" smtClean="0"/>
+              <a:t>【</a:t>
+            </a:r>
+            <a:r>
+              <a:rPr kumimoji="1" lang="ja-JP" altLang="en-US" sz="2400" dirty="0" smtClean="0"/>
+              <a:t>案</a:t>
+            </a:r>
+            <a:r>
+              <a:rPr kumimoji="1" lang="en-US" altLang="ja-JP" sz="2400" dirty="0" smtClean="0"/>
+              <a:t>1</a:t>
+            </a:r>
+            <a:r>
+              <a:rPr lang="en-US" altLang="ja-JP" sz="2400" dirty="0" smtClean="0"/>
+              <a:t>】 </a:t>
+            </a:r>
+            <a:r>
+              <a:rPr kumimoji="1" lang="en-US" altLang="ja-JP" sz="2400" dirty="0" smtClean="0"/>
+              <a:t>/vector-tile-experiment/index.html </a:t>
+            </a:r>
+            <a:r>
+              <a:rPr kumimoji="1" lang="ja-JP" altLang="en-US" sz="2400" dirty="0" smtClean="0"/>
+              <a:t>のアレンジ</a:t>
+            </a:r>
+            <a:endParaRPr kumimoji="1" lang="en-US" altLang="ja-JP" sz="2400" dirty="0" smtClean="0"/>
+          </a:p>
+          <a:p>
+            <a:r>
+              <a:rPr lang="en-US" altLang="ja-JP" sz="2400" dirty="0" smtClean="0"/>
+              <a:t>SVG</a:t>
+            </a:r>
+            <a:r>
+              <a:rPr lang="ja-JP" altLang="en-US" sz="2400" dirty="0" smtClean="0"/>
+              <a:t>ベースで、より</a:t>
+            </a:r>
+            <a:r>
+              <a:rPr lang="en-US" altLang="ja-JP" sz="2400" dirty="0" err="1" smtClean="0"/>
+              <a:t>gsimaps</a:t>
+            </a:r>
+            <a:r>
+              <a:rPr lang="ja-JP" altLang="en-US" sz="2400" dirty="0" smtClean="0"/>
+              <a:t>の実装に近いもの</a:t>
+            </a:r>
+            <a:endParaRPr lang="en-US" altLang="ja-JP" sz="2400" dirty="0" smtClean="0"/>
+          </a:p>
+          <a:p>
+            <a:r>
+              <a:rPr lang="ja-JP" altLang="en-US" sz="2400" dirty="0" smtClean="0"/>
+              <a:t>アレンジ版の</a:t>
+            </a:r>
+            <a:r>
+              <a:rPr lang="en-US" altLang="ja-JP" sz="2400" dirty="0" err="1" smtClean="0"/>
+              <a:t>style.js</a:t>
+            </a:r>
+            <a:r>
+              <a:rPr lang="ja-JP" altLang="en-US" sz="2400" dirty="0" smtClean="0"/>
+              <a:t>を適宜レポに置いて読み込ませる方向で</a:t>
+            </a:r>
+            <a:endParaRPr lang="en-US" altLang="ja-JP" sz="2400" dirty="0" smtClean="0"/>
+          </a:p>
+          <a:p>
+            <a:endParaRPr kumimoji="1" lang="en-US" altLang="ja-JP" sz="2400" dirty="0"/>
+          </a:p>
+          <a:p>
+            <a:pPr marL="0" indent="0">
+              <a:buNone/>
+            </a:pPr>
+            <a:r>
+              <a:rPr lang="en-US" altLang="ja-JP" sz="2400" dirty="0" smtClean="0"/>
+              <a:t>【</a:t>
+            </a:r>
+            <a:r>
+              <a:rPr lang="ja-JP" altLang="en-US" sz="2400" dirty="0" smtClean="0"/>
+              <a:t>案</a:t>
+            </a:r>
+            <a:r>
+              <a:rPr lang="en-US" altLang="ja-JP" sz="2400" dirty="0" smtClean="0"/>
+              <a:t>2】 </a:t>
+            </a:r>
+            <a:r>
+              <a:rPr lang="ja-JP" altLang="en-US" sz="2400" dirty="0" smtClean="0"/>
+              <a:t>スタイルシート系の先進的な事例を学ぶ</a:t>
+            </a:r>
+            <a:endParaRPr lang="en-US" altLang="ja-JP" sz="2400" dirty="0" smtClean="0"/>
+          </a:p>
+          <a:p>
+            <a:r>
+              <a:rPr lang="en-US" altLang="ja-JP" sz="2400" dirty="0">
+                <a:hlinkClick r:id="rId2"/>
+              </a:rPr>
+              <a:t>http://frogcat.github.io/gsi-river</a:t>
+            </a:r>
+            <a:r>
+              <a:rPr lang="en-US" altLang="ja-JP" sz="2400" dirty="0" smtClean="0">
+                <a:hlinkClick r:id="rId2"/>
+              </a:rPr>
+              <a:t>/</a:t>
+            </a:r>
+            <a:endParaRPr lang="en-US" altLang="ja-JP" sz="2400" dirty="0" smtClean="0"/>
+          </a:p>
+          <a:p>
+            <a:endParaRPr lang="en-US" altLang="ja-JP" sz="2400" dirty="0"/>
+          </a:p>
+          <a:p>
+            <a:pPr marL="0" indent="0">
+              <a:buNone/>
+            </a:pPr>
+            <a:r>
+              <a:rPr lang="en-US" altLang="ja-JP" sz="2400" dirty="0" smtClean="0"/>
+              <a:t>【</a:t>
+            </a:r>
+            <a:r>
+              <a:rPr lang="ja-JP" altLang="en-US" sz="2400" dirty="0" smtClean="0"/>
+              <a:t>案</a:t>
+            </a:r>
+            <a:r>
+              <a:rPr lang="en-US" altLang="ja-JP" sz="2400" dirty="0" smtClean="0"/>
+              <a:t>3】 </a:t>
+            </a:r>
+            <a:r>
+              <a:rPr lang="ja-JP" altLang="en-US" sz="2400" dirty="0" smtClean="0"/>
+              <a:t>他のライブラリを試す</a:t>
+            </a:r>
+            <a:endParaRPr lang="en-US" altLang="ja-JP" sz="2400" dirty="0" smtClean="0"/>
+          </a:p>
+          <a:p>
+            <a:r>
+              <a:rPr lang="en-US" altLang="ja-JP" sz="2400" dirty="0">
+                <a:hlinkClick r:id="rId3"/>
+              </a:rPr>
+              <a:t>http://frogcat.github.io/gsi-anno-voronoi</a:t>
+            </a:r>
+            <a:r>
+              <a:rPr lang="en-US" altLang="ja-JP" sz="2400" dirty="0" smtClean="0">
+                <a:hlinkClick r:id="rId3"/>
+              </a:rPr>
+              <a:t>/</a:t>
+            </a:r>
+            <a:endParaRPr lang="en-US" altLang="ja-JP" sz="2400" dirty="0" smtClean="0"/>
+          </a:p>
+          <a:p>
+            <a:pPr lvl="1"/>
+            <a:r>
+              <a:rPr lang="ja-JP" altLang="en-US" sz="2000" dirty="0" smtClean="0"/>
+              <a:t>注記でボロノイ図、</a:t>
+            </a:r>
+            <a:r>
+              <a:rPr lang="en-US" altLang="ja-JP" sz="2000" dirty="0" smtClean="0"/>
+              <a:t>D3</a:t>
+            </a:r>
+            <a:r>
+              <a:rPr lang="ja-JP" altLang="en-US" sz="2000" dirty="0" smtClean="0"/>
+              <a:t>使用</a:t>
+            </a:r>
+            <a:endParaRPr lang="en-US" altLang="ja-JP" sz="2000" dirty="0" smtClean="0"/>
+          </a:p>
+          <a:p>
+            <a:r>
+              <a:rPr lang="en-US" altLang="ja-JP" sz="2400" dirty="0">
+                <a:hlinkClick r:id="rId4"/>
+              </a:rPr>
+              <a:t>http://frogcat.github.io/gsi-anno</a:t>
+            </a:r>
+            <a:r>
+              <a:rPr lang="en-US" altLang="ja-JP" sz="2400" dirty="0" smtClean="0">
+                <a:hlinkClick r:id="rId4"/>
+              </a:rPr>
+              <a:t>/</a:t>
+            </a:r>
+            <a:endParaRPr lang="en-US" altLang="ja-JP" sz="2400" dirty="0" smtClean="0"/>
+          </a:p>
+          <a:p>
+            <a:pPr lvl="1"/>
+            <a:r>
+              <a:rPr lang="en-US" altLang="ja-JP" sz="2000" dirty="0" smtClean="0"/>
+              <a:t>Leaflet 1.0b</a:t>
+            </a:r>
+          </a:p>
+          <a:p>
+            <a:r>
+              <a:rPr lang="en-US" altLang="ja-JP" sz="2400" dirty="0">
+                <a:hlinkClick r:id="rId5"/>
+              </a:rPr>
+              <a:t>http://gsi-cyberjapan.github.io/vectiles-mapkit/</a:t>
+            </a:r>
+            <a:r>
+              <a:rPr lang="en-US" altLang="ja-JP" sz="2400" dirty="0" smtClean="0">
+                <a:hlinkClick r:id="rId5"/>
+              </a:rPr>
+              <a:t>tangram.html</a:t>
+            </a:r>
+            <a:endParaRPr lang="en-US" altLang="ja-JP" sz="2400" dirty="0" smtClean="0"/>
+          </a:p>
+          <a:p>
+            <a:pPr lvl="1"/>
+            <a:r>
+              <a:rPr lang="en-US" altLang="ja-JP" sz="2000" dirty="0" smtClean="0"/>
+              <a:t>Tangram + </a:t>
+            </a:r>
+            <a:r>
+              <a:rPr lang="ja-JP" altLang="en-US" sz="2000" dirty="0" smtClean="0"/>
+              <a:t>地球地図ベクトルタイル</a:t>
+            </a:r>
+            <a:endParaRPr lang="en-US" altLang="ja-JP" sz="2000" dirty="0" smtClean="0"/>
+          </a:p>
+          <a:p>
+            <a:endParaRPr lang="en-US" altLang="ja-JP" sz="2400" dirty="0" smtClean="0"/>
+          </a:p>
+        </p:txBody>
+      </p:sp>
+      <p:sp>
+        <p:nvSpPr>
+          <p:cNvPr id="4" name="スライド番号プレースホルダー 3"/>
+          <p:cNvSpPr>
+            <a:spLocks noGrp="1"/>
+          </p:cNvSpPr>
+          <p:nvPr>
+            <p:ph type="sldNum" sz="quarter" idx="12"/>
+          </p:nvPr>
+        </p:nvSpPr>
+        <p:spPr/>
+        <p:txBody>
+          <a:bodyPr/>
+          <a:lstStyle/>
+          <a:p>
+            <a:pPr>
+              <a:defRPr/>
+            </a:pPr>
+            <a:fld id="{7BDE7F79-B788-EF47-92C0-E4468BC66B4F}" type="slidenum">
+              <a:rPr lang="en-US" altLang="ja-JP" smtClean="0"/>
+              <a:pPr>
+                <a:defRPr/>
+              </a:pPr>
+              <a:t>4</a:t>
+            </a:fld>
+            <a:endParaRPr lang="en-US" altLang="ja-JP"/>
+          </a:p>
+        </p:txBody>
+      </p:sp>
+      <p:sp>
+        <p:nvSpPr>
+          <p:cNvPr id="5" name="正方形/長方形 4"/>
+          <p:cNvSpPr/>
+          <p:nvPr/>
+        </p:nvSpPr>
+        <p:spPr>
+          <a:xfrm>
+            <a:off x="144016" y="620688"/>
+            <a:ext cx="8820472" cy="1512168"/>
+          </a:xfrm>
+          <a:prstGeom prst="rect">
+            <a:avLst/>
+          </a:prstGeom>
+          <a:noFill/>
+          <a:ln>
+            <a:solidFill>
+              <a:schemeClr val="tx1"/>
+            </a:solidFill>
+          </a:ln>
+          <a:effectLst/>
+        </p:spPr>
+        <p:style>
+          <a:lnRef idx="1">
+            <a:schemeClr val="accent1"/>
+          </a:lnRef>
+          <a:fillRef idx="3">
+            <a:schemeClr val="accent1"/>
+          </a:fillRef>
+          <a:effectRef idx="2">
+            <a:schemeClr val="accent1"/>
+          </a:effectRef>
+          <a:fontRef idx="minor">
+            <a:schemeClr val="lt1"/>
+          </a:fontRef>
+        </p:style>
+        <p:txBody>
+          <a:bodyPr rtlCol="0" anchor="ctr"/>
+          <a:lstStyle/>
+          <a:p>
+            <a:pPr algn="ctr"/>
+            <a:endParaRPr kumimoji="1" lang="ja-JP" altLang="en-US"/>
+          </a:p>
+        </p:txBody>
+      </p:sp>
+      <p:sp>
+        <p:nvSpPr>
+          <p:cNvPr id="6" name="正方形/長方形 5"/>
+          <p:cNvSpPr/>
+          <p:nvPr/>
+        </p:nvSpPr>
+        <p:spPr>
+          <a:xfrm>
+            <a:off x="144016" y="2276872"/>
+            <a:ext cx="8820472" cy="1224136"/>
+          </a:xfrm>
+          <a:prstGeom prst="rect">
+            <a:avLst/>
+          </a:prstGeom>
+          <a:noFill/>
+          <a:ln>
+            <a:solidFill>
+              <a:schemeClr val="tx1"/>
+            </a:solidFill>
+          </a:ln>
+          <a:effectLst/>
+        </p:spPr>
+        <p:style>
+          <a:lnRef idx="1">
+            <a:schemeClr val="accent1"/>
+          </a:lnRef>
+          <a:fillRef idx="3">
+            <a:schemeClr val="accent1"/>
+          </a:fillRef>
+          <a:effectRef idx="2">
+            <a:schemeClr val="accent1"/>
+          </a:effectRef>
+          <a:fontRef idx="minor">
+            <a:schemeClr val="lt1"/>
+          </a:fontRef>
+        </p:style>
+        <p:txBody>
+          <a:bodyPr rtlCol="0" anchor="ctr"/>
+          <a:lstStyle/>
+          <a:p>
+            <a:pPr algn="ctr"/>
+            <a:endParaRPr kumimoji="1" lang="ja-JP" altLang="en-US"/>
+          </a:p>
+        </p:txBody>
+      </p:sp>
+      <p:sp>
+        <p:nvSpPr>
+          <p:cNvPr id="7" name="正方形/長方形 6"/>
+          <p:cNvSpPr/>
+          <p:nvPr/>
+        </p:nvSpPr>
+        <p:spPr>
+          <a:xfrm>
+            <a:off x="144016" y="3645024"/>
+            <a:ext cx="8820472" cy="3024336"/>
+          </a:xfrm>
+          <a:prstGeom prst="rect">
+            <a:avLst/>
+          </a:prstGeom>
+          <a:noFill/>
+          <a:ln>
+            <a:solidFill>
+              <a:schemeClr val="tx1"/>
+            </a:solidFill>
+          </a:ln>
+          <a:effectLst/>
+        </p:spPr>
+        <p:style>
+          <a:lnRef idx="1">
+            <a:schemeClr val="accent1"/>
+          </a:lnRef>
+          <a:fillRef idx="3">
+            <a:schemeClr val="accent1"/>
+          </a:fillRef>
+          <a:effectRef idx="2">
+            <a:schemeClr val="accent1"/>
+          </a:effectRef>
+          <a:fontRef idx="minor">
+            <a:schemeClr val="lt1"/>
+          </a:fontRef>
+        </p:style>
+        <p:txBody>
+          <a:bodyPr rtlCol="0" anchor="ctr"/>
+          <a:lstStyle/>
+          <a:p>
+            <a:pPr algn="ctr"/>
+            <a:endParaRPr kumimoji="1" lang="ja-JP" altLang="en-US"/>
+          </a:p>
+        </p:txBody>
+      </p:sp>
+    </p:spTree>
+    <p:extLst>
+      <p:ext uri="{BB962C8B-B14F-4D97-AF65-F5344CB8AC3E}">
+        <p14:creationId xmlns:p14="http://schemas.microsoft.com/office/powerpoint/2010/main" val="360368050"/>
+      </p:ext>
+    </p:extLst>
+  </p:cSld>
+  <p:clrMapOvr>
+    <a:masterClrMapping/>
+  </p:clrMapOvr>
+</p:sld>
+</file>
+
+<file path=ppt/slides/slide5.xml><?xml version="1.0" encoding="utf-8"?>
+<p:sld xmlns:a="http://schemas.openxmlformats.org/drawingml/2006/main" xmlns:r="http://schemas.openxmlformats.org/officeDocument/2006/relationships" xmlns:p="http://schemas.openxmlformats.org/presentationml/2006/main">
+  <p:cSld>
+    <p:spTree>
+      <p:nvGrpSpPr>
+        <p:cNvPr id="1" name=""/>
+        <p:cNvGrpSpPr/>
+        <p:nvPr/>
+      </p:nvGrpSpPr>
+      <p:grpSpPr>
+        <a:xfrm>
+          <a:off x="0" y="0"/>
+          <a:ext cx="0" cy="0"/>
+          <a:chOff x="0" y="0"/>
+          <a:chExt cx="0" cy="0"/>
+        </a:xfrm>
+      </p:grpSpPr>
+      <p:sp>
+        <p:nvSpPr>
+          <p:cNvPr id="2" name="タイトル 1"/>
+          <p:cNvSpPr>
+            <a:spLocks noGrp="1"/>
+          </p:cNvSpPr>
+          <p:nvPr>
+            <p:ph type="title"/>
+          </p:nvPr>
+        </p:nvSpPr>
+        <p:spPr>
+          <a:xfrm>
+            <a:off x="0" y="0"/>
+            <a:ext cx="7812360" cy="476250"/>
+          </a:xfrm>
+        </p:spPr>
+        <p:txBody>
+          <a:bodyPr/>
+          <a:lstStyle/>
+          <a:p>
+            <a:r>
+              <a:rPr kumimoji="1" lang="en-US" altLang="ja-JP" dirty="0" smtClean="0"/>
+              <a:t>【</a:t>
+            </a:r>
+            <a:r>
+              <a:rPr lang="ja-JP" altLang="en-US" dirty="0" smtClean="0"/>
+              <a:t>お</a:t>
+            </a:r>
+            <a:r>
+              <a:rPr kumimoji="1" lang="ja-JP" altLang="en-US" dirty="0" smtClean="0"/>
+              <a:t>わりに</a:t>
+            </a:r>
+            <a:r>
+              <a:rPr lang="en-US" altLang="en-US" dirty="0" smtClean="0"/>
+              <a:t>】 </a:t>
+            </a:r>
+            <a:r>
+              <a:rPr kumimoji="1" lang="en-US" altLang="ja-JP" dirty="0" smtClean="0"/>
+              <a:t>The </a:t>
+            </a:r>
+            <a:r>
+              <a:rPr kumimoji="1" lang="en-US" altLang="ja-JP" dirty="0" smtClean="0"/>
+              <a:t>party continues,</a:t>
+            </a:r>
+            <a:r>
+              <a:rPr kumimoji="1" lang="ja-JP" altLang="en-US" dirty="0" smtClean="0"/>
+              <a:t> </a:t>
+            </a:r>
+            <a:r>
+              <a:rPr kumimoji="1" lang="en-US" altLang="ja-JP" dirty="0" smtClean="0"/>
+              <a:t>on the web.</a:t>
+            </a:r>
+            <a:endParaRPr kumimoji="1" lang="ja-JP" altLang="en-US" dirty="0"/>
+          </a:p>
+        </p:txBody>
+      </p:sp>
+      <p:sp>
+        <p:nvSpPr>
+          <p:cNvPr id="3" name="コンテンツ プレースホルダー 2"/>
+          <p:cNvSpPr>
+            <a:spLocks noGrp="1"/>
+          </p:cNvSpPr>
+          <p:nvPr>
+            <p:ph idx="1"/>
+          </p:nvPr>
+        </p:nvSpPr>
+        <p:spPr>
+          <a:xfrm>
+            <a:off x="251520" y="1600200"/>
+            <a:ext cx="8892480" cy="4525963"/>
+          </a:xfrm>
+        </p:spPr>
+        <p:txBody>
+          <a:bodyPr/>
+          <a:lstStyle/>
+          <a:p>
+            <a:r>
+              <a:rPr kumimoji="1" lang="ja-JP" altLang="en-US" dirty="0" smtClean="0"/>
+              <a:t>対面での作業は重要であるが</a:t>
+            </a:r>
+            <a:r>
+              <a:rPr lang="ja-JP" altLang="en-US" dirty="0" smtClean="0"/>
+              <a:t>スケールしない。</a:t>
+            </a:r>
+            <a:endParaRPr lang="en-US" altLang="ja-JP" dirty="0" smtClean="0"/>
+          </a:p>
+          <a:p>
+            <a:r>
+              <a:rPr kumimoji="1" lang="ja-JP" altLang="en-US" dirty="0" smtClean="0"/>
+              <a:t>オンラインでつながることの重要性</a:t>
+            </a:r>
+            <a:endParaRPr kumimoji="1" lang="en-US" altLang="ja-JP" dirty="0" smtClean="0"/>
+          </a:p>
+          <a:p>
+            <a:r>
+              <a:rPr lang="en-US" altLang="ja-JP" dirty="0" smtClean="0"/>
+              <a:t>FOSS4G Tokyo Vector Tile Group </a:t>
+            </a:r>
+            <a:r>
+              <a:rPr lang="ja-JP" altLang="en-US" dirty="0" smtClean="0"/>
+              <a:t>への参加をお勧めします！</a:t>
+            </a:r>
+            <a:endParaRPr lang="en-US" altLang="ja-JP" dirty="0" smtClean="0"/>
+          </a:p>
+          <a:p>
+            <a:pPr marL="0" indent="0">
+              <a:buNone/>
+            </a:pPr>
+            <a:endParaRPr kumimoji="1" lang="en-US" altLang="ja-JP" dirty="0" smtClean="0"/>
+          </a:p>
+          <a:p>
+            <a:pPr marL="0" indent="0">
+              <a:buNone/>
+            </a:pPr>
+            <a:r>
+              <a:rPr lang="en-US" altLang="ja-JP" sz="2800" dirty="0"/>
+              <a:t>https://</a:t>
+            </a:r>
+            <a:r>
+              <a:rPr lang="en-US" altLang="ja-JP" sz="2800" dirty="0" err="1"/>
+              <a:t>github.com</a:t>
+            </a:r>
+            <a:r>
+              <a:rPr lang="en-US" altLang="ja-JP" sz="2800" dirty="0"/>
+              <a:t>/foss4g-tokyo-vt/living-room/issues/2</a:t>
+            </a:r>
+            <a:endParaRPr kumimoji="1" lang="en-US" altLang="ja-JP" sz="2800" dirty="0" smtClean="0"/>
+          </a:p>
+        </p:txBody>
+      </p:sp>
+      <p:sp>
+        <p:nvSpPr>
+          <p:cNvPr id="4" name="スライド番号プレースホルダー 3"/>
+          <p:cNvSpPr>
+            <a:spLocks noGrp="1"/>
+          </p:cNvSpPr>
+          <p:nvPr>
+            <p:ph type="sldNum" sz="quarter" idx="12"/>
+          </p:nvPr>
+        </p:nvSpPr>
+        <p:spPr/>
+        <p:txBody>
+          <a:bodyPr/>
+          <a:lstStyle/>
+          <a:p>
+            <a:pPr>
+              <a:defRPr/>
+            </a:pPr>
+            <a:fld id="{7BDE7F79-B788-EF47-92C0-E4468BC66B4F}" type="slidenum">
+              <a:rPr lang="en-US" altLang="ja-JP" smtClean="0"/>
+              <a:pPr>
+                <a:defRPr/>
+              </a:pPr>
+              <a:t>5</a:t>
+            </a:fld>
+            <a:endParaRPr lang="en-US" altLang="ja-JP"/>
+          </a:p>
+        </p:txBody>
+      </p:sp>
+      <p:sp>
+        <p:nvSpPr>
+          <p:cNvPr id="5" name="正方形/長方形 4"/>
+          <p:cNvSpPr/>
+          <p:nvPr/>
+        </p:nvSpPr>
+        <p:spPr>
+          <a:xfrm>
+            <a:off x="107504" y="1412776"/>
+            <a:ext cx="8856984" cy="2664296"/>
+          </a:xfrm>
+          <a:prstGeom prst="rect">
+            <a:avLst/>
+          </a:prstGeom>
+          <a:noFill/>
+          <a:ln>
+            <a:solidFill>
+              <a:schemeClr val="tx1"/>
+            </a:solidFill>
+          </a:ln>
+          <a:effectLst/>
+        </p:spPr>
+        <p:style>
+          <a:lnRef idx="1">
+            <a:schemeClr val="accent1"/>
+          </a:lnRef>
+          <a:fillRef idx="3">
+            <a:schemeClr val="accent1"/>
+          </a:fillRef>
+          <a:effectRef idx="2">
+            <a:schemeClr val="accent1"/>
+          </a:effectRef>
+          <a:fontRef idx="minor">
+            <a:schemeClr val="lt1"/>
+          </a:fontRef>
+        </p:style>
+        <p:txBody>
+          <a:bodyPr rtlCol="0" anchor="ctr"/>
+          <a:lstStyle/>
+          <a:p>
+            <a:pPr algn="ctr"/>
+            <a:endParaRPr kumimoji="1" lang="ja-JP" altLang="en-US"/>
+          </a:p>
+        </p:txBody>
+      </p:sp>
+    </p:spTree>
+    <p:extLst>
+      <p:ext uri="{BB962C8B-B14F-4D97-AF65-F5344CB8AC3E}">
+        <p14:creationId xmlns:p14="http://schemas.microsoft.com/office/powerpoint/2010/main" val="3199579320"/>
+      </p:ext>
+    </p:extLst>
+  </p:cSld>
+  <p:clrMapOvr>
+    <a:masterClrMapping/>
+  </p:clrMapOvr>
 </p:sld>
 </file>
 

--- a/151009ベクトルタイル利用サイトを作ろうPt.6.pptx
+++ b/151009ベクトルタイル利用サイトを作ろうPt.6.pptx
@@ -5982,15 +5982,7 @@
             <a:pPr lvl="1"/>
             <a:r>
               <a:rPr lang="en-US" altLang="ja-JP" sz="2000" dirty="0" err="1" smtClean="0"/>
-              <a:t>r</a:t>
-            </a:r>
-            <a:r>
-              <a:rPr lang="en-US" altLang="ja-JP" sz="2000" dirty="0" err="1" smtClean="0"/>
-              <a:t>d</a:t>
-            </a:r>
-            <a:r>
-              <a:rPr lang="en-US" altLang="ja-JP" sz="2000" dirty="0" err="1" smtClean="0"/>
-              <a:t>cl_style</a:t>
+              <a:t>rdcl_style</a:t>
             </a:r>
             <a:r>
               <a:rPr lang="en-US" altLang="ja-JP" sz="2000" dirty="0" smtClean="0"/>
@@ -6045,15 +6037,7 @@
             <a:pPr lvl="1"/>
             <a:r>
               <a:rPr lang="en-US" altLang="ja-JP" sz="2000" dirty="0" err="1" smtClean="0"/>
-              <a:t>r</a:t>
-            </a:r>
-            <a:r>
-              <a:rPr lang="en-US" altLang="ja-JP" sz="2000" dirty="0" err="1" smtClean="0"/>
-              <a:t>ail</a:t>
-            </a:r>
-            <a:r>
-              <a:rPr lang="en-US" altLang="ja-JP" sz="2000" dirty="0" err="1" smtClean="0"/>
-              <a:t>cl_style</a:t>
+              <a:t>railcl_style</a:t>
             </a:r>
             <a:r>
               <a:rPr lang="en-US" altLang="ja-JP" sz="2000" dirty="0" smtClean="0"/>
@@ -6907,11 +6891,7 @@
             </a:r>
             <a:r>
               <a:rPr kumimoji="1" lang="en-US" altLang="ja-JP" dirty="0" smtClean="0"/>
-              <a:t>The </a:t>
-            </a:r>
-            <a:r>
-              <a:rPr kumimoji="1" lang="en-US" altLang="ja-JP" dirty="0" smtClean="0"/>
-              <a:t>party continues,</a:t>
+              <a:t>The party continues,</a:t>
             </a:r>
             <a:r>
               <a:rPr kumimoji="1" lang="ja-JP" altLang="en-US" dirty="0" smtClean="0"/>
